--- a/Documents/Spectrum Order PPT.pptx
+++ b/Documents/Spectrum Order PPT.pptx
@@ -119,6 +119,11 @@
       </a:defRPr>
     </a:lvl9pPr>
   </p:defaultTextStyle>
+  <p:extLst>
+    <p:ext uri="{EFAFB233-063F-42B5-8137-9DF3F51BA10A}">
+      <p15:sldGuideLst xmlns:p15="http://schemas.microsoft.com/office/powerpoint/2012/main"/>
+    </p:ext>
+  </p:extLst>
 </p:presentation>
 </file>
 
@@ -6240,7 +6245,9 @@
         </p:nvSpPr>
         <p:spPr/>
         <p:txBody>
-          <a:bodyPr/>
+          <a:bodyPr>
+            <a:normAutofit fontScale="92500" lnSpcReduction="20000"/>
+          </a:bodyPr>
           <a:lstStyle/>
           <a:p>
             <a:pPr lvl="1"/>
@@ -6342,9 +6349,35 @@
             </a:r>
             <a:r>
               <a:rPr lang="en-GB" dirty="0"/>
-              <a:t> Defend 1</a:t>
-            </a:r>
-            <a:endParaRPr lang="en-US" sz="1800" dirty="0"/>
+              <a:t> Defend </a:t>
+            </a:r>
+            <a:r>
+              <a:rPr lang="en-GB" dirty="0" smtClean="0"/>
+              <a:t>1</a:t>
+            </a:r>
+          </a:p>
+          <a:p>
+            <a:pPr lvl="1"/>
+            <a:r>
+              <a:rPr lang="en-GB" sz="2000" dirty="0"/>
+              <a:t>Buff</a:t>
+            </a:r>
+          </a:p>
+          <a:p>
+            <a:pPr lvl="2"/>
+            <a:r>
+              <a:rPr lang="en-GB" dirty="0"/>
+              <a:t>AP + 1</a:t>
+            </a:r>
+            <a:endParaRPr lang="en-US" sz="1400" dirty="0"/>
+          </a:p>
+          <a:p>
+            <a:pPr lvl="2"/>
+            <a:r>
+              <a:rPr lang="en-GB" dirty="0"/>
+              <a:t>Damage + 3</a:t>
+            </a:r>
+            <a:endParaRPr lang="en-US" sz="1400" dirty="0"/>
           </a:p>
           <a:p>
             <a:endParaRPr lang="en-US" dirty="0"/>
@@ -6422,7 +6455,7 @@
         </p:spPr>
         <p:txBody>
           <a:bodyPr>
-            <a:normAutofit/>
+            <a:normAutofit fontScale="92500" lnSpcReduction="10000"/>
           </a:bodyPr>
           <a:lstStyle/>
           <a:p>
@@ -6523,7 +6556,45 @@
               <a:rPr lang="en-GB" sz="1600" dirty="0" smtClean="0"/>
               <a:t>2</a:t>
             </a:r>
-            <a:endParaRPr lang="en-US" sz="1800" dirty="0"/>
+          </a:p>
+          <a:p>
+            <a:pPr lvl="2"/>
+            <a:r>
+              <a:rPr lang="en-GB" dirty="0" smtClean="0"/>
+              <a:t>Buff</a:t>
+            </a:r>
+          </a:p>
+          <a:p>
+            <a:pPr lvl="4"/>
+            <a:r>
+              <a:rPr lang="en-GB" dirty="0"/>
+              <a:t>MP + 1</a:t>
+            </a:r>
+            <a:endParaRPr lang="en-US" sz="1200" dirty="0"/>
+          </a:p>
+          <a:p>
+            <a:pPr lvl="4"/>
+            <a:r>
+              <a:rPr lang="en-GB" dirty="0"/>
+              <a:t>Damage + 4</a:t>
+            </a:r>
+            <a:endParaRPr lang="en-US" sz="1200" dirty="0"/>
+          </a:p>
+          <a:p>
+            <a:pPr lvl="4"/>
+            <a:r>
+              <a:rPr lang="en-GB" dirty="0" err="1"/>
+              <a:t>Def</a:t>
+            </a:r>
+            <a:r>
+              <a:rPr lang="en-GB" dirty="0"/>
+              <a:t> + 2</a:t>
+            </a:r>
+            <a:endParaRPr lang="en-US" sz="1200" dirty="0"/>
+          </a:p>
+          <a:p>
+            <a:pPr lvl="1"/>
+            <a:endParaRPr lang="en-GB" sz="2000" dirty="0"/>
           </a:p>
         </p:txBody>
       </p:sp>
@@ -7970,7 +8041,9 @@
         </p:nvSpPr>
         <p:spPr/>
         <p:txBody>
-          <a:bodyPr/>
+          <a:bodyPr>
+            <a:normAutofit fontScale="92500" lnSpcReduction="10000"/>
+          </a:bodyPr>
           <a:lstStyle/>
           <a:p>
             <a:pPr lvl="1"/>
@@ -8048,9 +8121,12 @@
             <a:pPr lvl="1"/>
             <a:r>
               <a:rPr lang="en-GB" dirty="0"/>
-              <a:t>Defend.</a:t>
-            </a:r>
-            <a:endParaRPr lang="en-US" sz="2000" dirty="0"/>
+              <a:t>Defend</a:t>
+            </a:r>
+            <a:r>
+              <a:rPr lang="en-GB" dirty="0" smtClean="0"/>
+              <a:t>.</a:t>
+            </a:r>
           </a:p>
           <a:p>
             <a:pPr lvl="2"/>
@@ -8060,9 +8136,73 @@
             </a:r>
             <a:r>
               <a:rPr lang="en-GB" dirty="0"/>
-              <a:t> Defend 4</a:t>
-            </a:r>
-            <a:endParaRPr lang="en-US" sz="1800" dirty="0"/>
+              <a:t> Defend </a:t>
+            </a:r>
+            <a:r>
+              <a:rPr lang="en-GB" dirty="0" smtClean="0"/>
+              <a:t>4</a:t>
+            </a:r>
+            <a:endParaRPr lang="en-GB" dirty="0" smtClean="0"/>
+          </a:p>
+          <a:p>
+            <a:pPr lvl="1"/>
+            <a:r>
+              <a:rPr lang="en-GB" sz="2000" dirty="0" smtClean="0"/>
+              <a:t>Buff</a:t>
+            </a:r>
+          </a:p>
+          <a:p>
+            <a:pPr lvl="2"/>
+            <a:r>
+              <a:rPr lang="en-GB" dirty="0" err="1"/>
+              <a:t>Menambah</a:t>
+            </a:r>
+            <a:r>
+              <a:rPr lang="en-GB" dirty="0"/>
+              <a:t> </a:t>
+            </a:r>
+            <a:r>
+              <a:rPr lang="en-GB" dirty="0" err="1"/>
+              <a:t>Atk</a:t>
+            </a:r>
+            <a:r>
+              <a:rPr lang="en-GB" dirty="0"/>
+              <a:t> + </a:t>
+            </a:r>
+            <a:r>
+              <a:rPr lang="en-GB" dirty="0" smtClean="0"/>
+              <a:t>3</a:t>
+            </a:r>
+          </a:p>
+          <a:p>
+            <a:pPr lvl="2"/>
+            <a:r>
+              <a:rPr lang="en-GB" dirty="0" err="1"/>
+              <a:t>Menambah</a:t>
+            </a:r>
+            <a:r>
+              <a:rPr lang="en-GB" dirty="0" smtClean="0"/>
+              <a:t> </a:t>
+            </a:r>
+            <a:r>
+              <a:rPr lang="en-GB" dirty="0" err="1"/>
+              <a:t>Def</a:t>
+            </a:r>
+            <a:r>
+              <a:rPr lang="en-GB" dirty="0"/>
+              <a:t> + 3</a:t>
+            </a:r>
+            <a:endParaRPr lang="en-US" dirty="0"/>
+          </a:p>
+          <a:p>
+            <a:pPr lvl="2"/>
+            <a:endParaRPr lang="en-US" dirty="0"/>
+          </a:p>
+          <a:p>
+            <a:pPr marL="914400" lvl="2" indent="0">
+              <a:buNone/>
+            </a:pPr>
+            <a:endParaRPr lang="en-US" dirty="0" smtClean="0"/>
           </a:p>
           <a:p>
             <a:endParaRPr lang="en-US" dirty="0"/>
@@ -8134,7 +8274,9 @@
         </p:nvSpPr>
         <p:spPr/>
         <p:txBody>
-          <a:bodyPr/>
+          <a:bodyPr>
+            <a:normAutofit fontScale="92500" lnSpcReduction="10000"/>
+          </a:bodyPr>
           <a:lstStyle/>
           <a:p>
             <a:pPr lvl="1"/>
@@ -8227,6 +8369,49 @@
               <a:t> Defend 6</a:t>
             </a:r>
             <a:endParaRPr lang="en-US" sz="1800" dirty="0"/>
+          </a:p>
+          <a:p>
+            <a:pPr lvl="1"/>
+            <a:r>
+              <a:rPr lang="en-GB" sz="2000" dirty="0"/>
+              <a:t>Buff</a:t>
+            </a:r>
+          </a:p>
+          <a:p>
+            <a:pPr marL="1257300" lvl="4" indent="-342900"/>
+            <a:r>
+              <a:rPr lang="en-GB" dirty="0" err="1"/>
+              <a:t>Menambah</a:t>
+            </a:r>
+            <a:r>
+              <a:rPr lang="en-GB" dirty="0"/>
+              <a:t> HP + 2 </a:t>
+            </a:r>
+            <a:endParaRPr lang="en-GB" dirty="0" smtClean="0"/>
+          </a:p>
+          <a:p>
+            <a:pPr marL="1257300" lvl="4" indent="-342900"/>
+            <a:r>
+              <a:rPr lang="en-GB" dirty="0" err="1"/>
+              <a:t>Menambah</a:t>
+            </a:r>
+            <a:r>
+              <a:rPr lang="en-GB" dirty="0"/>
+              <a:t> </a:t>
+            </a:r>
+            <a:r>
+              <a:rPr lang="en-GB" dirty="0" err="1" smtClean="0"/>
+              <a:t>Def</a:t>
+            </a:r>
+            <a:r>
+              <a:rPr lang="en-GB" dirty="0" smtClean="0"/>
+              <a:t> </a:t>
+            </a:r>
+            <a:r>
+              <a:rPr lang="en-GB" dirty="0"/>
+              <a:t>+3</a:t>
+            </a:r>
+            <a:endParaRPr lang="en-US" sz="1200" dirty="0"/>
           </a:p>
           <a:p>
             <a:endParaRPr lang="en-US" dirty="0"/>

--- a/Documents/Spectrum Order PPT.pptx
+++ b/Documents/Spectrum Order PPT.pptx
@@ -6505,8 +6505,8 @@
               <a:t>Damage </a:t>
             </a:r>
             <a:r>
-              <a:rPr lang="en-GB" sz="1600" dirty="0"/>
-              <a:t>10</a:t>
+              <a:rPr lang="en-GB" sz="1600" dirty="0" smtClean="0"/>
+              <a:t>12</a:t>
             </a:r>
             <a:endParaRPr lang="en-US" dirty="0"/>
           </a:p>
@@ -8380,38 +8380,46 @@
           <a:p>
             <a:pPr marL="1257300" lvl="4" indent="-342900"/>
             <a:r>
-              <a:rPr lang="en-GB" dirty="0" err="1"/>
+              <a:rPr lang="en-GB" sz="1500" dirty="0" smtClean="0"/>
+              <a:t>Healing </a:t>
+            </a:r>
+            <a:r>
+              <a:rPr lang="en-GB" sz="1500" dirty="0"/>
+              <a:t>HP + </a:t>
+            </a:r>
+            <a:r>
+              <a:rPr lang="en-GB" sz="1500" dirty="0"/>
+              <a:t>5</a:t>
+            </a:r>
+            <a:endParaRPr lang="en-GB" sz="1500" dirty="0" smtClean="0"/>
+          </a:p>
+          <a:p>
+            <a:pPr marL="1257300" lvl="4" indent="-342900"/>
+            <a:r>
+              <a:rPr lang="en-GB" sz="1500" dirty="0" err="1"/>
               <a:t>Menambah</a:t>
             </a:r>
             <a:r>
-              <a:rPr lang="en-GB" dirty="0"/>
-              <a:t> HP + 2 </a:t>
-            </a:r>
-            <a:endParaRPr lang="en-GB" dirty="0" smtClean="0"/>
-          </a:p>
-          <a:p>
-            <a:pPr marL="1257300" lvl="4" indent="-342900"/>
-            <a:r>
-              <a:rPr lang="en-GB" dirty="0" err="1"/>
-              <a:t>Menambah</a:t>
-            </a:r>
-            <a:r>
-              <a:rPr lang="en-GB" dirty="0"/>
+              <a:rPr lang="en-GB" sz="1500" dirty="0"/>
               <a:t> </a:t>
             </a:r>
             <a:r>
-              <a:rPr lang="en-GB" dirty="0" err="1" smtClean="0"/>
+              <a:rPr lang="en-GB" sz="1500" dirty="0" err="1" smtClean="0"/>
               <a:t>Def</a:t>
             </a:r>
             <a:r>
-              <a:rPr lang="en-GB" dirty="0" smtClean="0"/>
+              <a:rPr lang="en-GB" sz="1500" dirty="0" smtClean="0"/>
               <a:t> </a:t>
             </a:r>
             <a:r>
-              <a:rPr lang="en-GB" dirty="0"/>
-              <a:t>+3</a:t>
-            </a:r>
-            <a:endParaRPr lang="en-US" sz="1200" dirty="0"/>
+              <a:rPr lang="en-GB" sz="1500" dirty="0"/>
+              <a:t>+</a:t>
+            </a:r>
+            <a:r>
+              <a:rPr lang="en-GB" sz="1500" dirty="0" smtClean="0"/>
+              <a:t>3 (3 Turns)</a:t>
+            </a:r>
+            <a:endParaRPr lang="en-US" sz="1300" dirty="0"/>
           </a:p>
           <a:p>
             <a:endParaRPr lang="en-US" dirty="0"/>
